--- a/Lesson 10.pptx
+++ b/Lesson 10.pptx
@@ -2,7 +2,7 @@
 <file path=ppt/presentation.xml><?xml version="1.0" encoding="utf-8"?>
 <p:presentation xmlns:a="http://schemas.openxmlformats.org/drawingml/2006/main" xmlns:r="http://schemas.openxmlformats.org/officeDocument/2006/relationships" xmlns:p="http://schemas.openxmlformats.org/presentationml/2006/main" saveSubsetFonts="1">
   <p:sldMasterIdLst>
-    <p:sldMasterId id="2147483687" r:id="rId1"/>
+    <p:sldMasterId id="2147483714" r:id="rId1"/>
   </p:sldMasterIdLst>
   <p:sldIdLst>
     <p:sldId id="256" r:id="rId2"/>
@@ -10,6 +10,16 @@
     <p:sldId id="258" r:id="rId4"/>
     <p:sldId id="259" r:id="rId5"/>
     <p:sldId id="260" r:id="rId6"/>
+    <p:sldId id="261" r:id="rId7"/>
+    <p:sldId id="262" r:id="rId8"/>
+    <p:sldId id="263" r:id="rId9"/>
+    <p:sldId id="264" r:id="rId10"/>
+    <p:sldId id="265" r:id="rId11"/>
+    <p:sldId id="266" r:id="rId12"/>
+    <p:sldId id="267" r:id="rId13"/>
+    <p:sldId id="268" r:id="rId14"/>
+    <p:sldId id="269" r:id="rId15"/>
+    <p:sldId id="270" r:id="rId16"/>
   </p:sldIdLst>
   <p:sldSz cx="12192000" cy="6858000"/>
   <p:notesSz cx="6858000" cy="9144000"/>
@@ -403,7 +413,7 @@
           <a:p>
             <a:fld id="{4B11139C-C265-4139-AC99-3E80FFA94C2A}" type="datetimeFigureOut">
               <a:rPr lang="en-US" smtClean="0"/>
-              <a:t>3/11/2024</a:t>
+              <a:t>3/16/2024</a:t>
             </a:fld>
             <a:endParaRPr lang="en-US"/>
           </a:p>
@@ -454,7 +464,7 @@
     </p:spTree>
     <p:extLst>
       <p:ext uri="{BB962C8B-B14F-4D97-AF65-F5344CB8AC3E}">
-        <p14:creationId xmlns:p14="http://schemas.microsoft.com/office/powerpoint/2010/main" val="2198236288"/>
+        <p14:creationId xmlns:p14="http://schemas.microsoft.com/office/powerpoint/2010/main" val="3958342555"/>
       </p:ext>
     </p:extLst>
   </p:cSld>
@@ -721,7 +731,7 @@
           <a:p>
             <a:fld id="{4B11139C-C265-4139-AC99-3E80FFA94C2A}" type="datetimeFigureOut">
               <a:rPr lang="en-US" smtClean="0"/>
-              <a:t>3/11/2024</a:t>
+              <a:t>3/16/2024</a:t>
             </a:fld>
             <a:endParaRPr lang="en-US"/>
           </a:p>
@@ -772,7 +782,7 @@
     </p:spTree>
     <p:extLst>
       <p:ext uri="{BB962C8B-B14F-4D97-AF65-F5344CB8AC3E}">
-        <p14:creationId xmlns:p14="http://schemas.microsoft.com/office/powerpoint/2010/main" val="2818790562"/>
+        <p14:creationId xmlns:p14="http://schemas.microsoft.com/office/powerpoint/2010/main" val="3294659332"/>
       </p:ext>
     </p:extLst>
   </p:cSld>
@@ -1209,7 +1219,7 @@
           <a:p>
             <a:fld id="{4B11139C-C265-4139-AC99-3E80FFA94C2A}" type="datetimeFigureOut">
               <a:rPr lang="en-US" smtClean="0"/>
-              <a:t>3/11/2024</a:t>
+              <a:t>3/16/2024</a:t>
             </a:fld>
             <a:endParaRPr lang="en-US"/>
           </a:p>
@@ -1260,7 +1270,7 @@
     </p:spTree>
     <p:extLst>
       <p:ext uri="{BB962C8B-B14F-4D97-AF65-F5344CB8AC3E}">
-        <p14:creationId xmlns:p14="http://schemas.microsoft.com/office/powerpoint/2010/main" val="3186628171"/>
+        <p14:creationId xmlns:p14="http://schemas.microsoft.com/office/powerpoint/2010/main" val="1129197797"/>
       </p:ext>
     </p:extLst>
   </p:cSld>
@@ -1578,7 +1588,7 @@
           <a:p>
             <a:fld id="{4B11139C-C265-4139-AC99-3E80FFA94C2A}" type="datetimeFigureOut">
               <a:rPr lang="en-US" smtClean="0"/>
-              <a:t>3/11/2024</a:t>
+              <a:t>3/16/2024</a:t>
             </a:fld>
             <a:endParaRPr lang="en-US"/>
           </a:p>
@@ -1629,7 +1639,7 @@
     </p:spTree>
     <p:extLst>
       <p:ext uri="{BB962C8B-B14F-4D97-AF65-F5344CB8AC3E}">
-        <p14:creationId xmlns:p14="http://schemas.microsoft.com/office/powerpoint/2010/main" val="2924597325"/>
+        <p14:creationId xmlns:p14="http://schemas.microsoft.com/office/powerpoint/2010/main" val="3709079258"/>
       </p:ext>
     </p:extLst>
   </p:cSld>
@@ -1851,7 +1861,7 @@
           <a:p>
             <a:fld id="{4B11139C-C265-4139-AC99-3E80FFA94C2A}" type="datetimeFigureOut">
               <a:rPr lang="en-US" smtClean="0"/>
-              <a:t>3/11/2024</a:t>
+              <a:t>3/16/2024</a:t>
             </a:fld>
             <a:endParaRPr lang="en-US"/>
           </a:p>
@@ -1902,7 +1912,7 @@
     </p:spTree>
     <p:extLst>
       <p:ext uri="{BB962C8B-B14F-4D97-AF65-F5344CB8AC3E}">
-        <p14:creationId xmlns:p14="http://schemas.microsoft.com/office/powerpoint/2010/main" val="134931117"/>
+        <p14:creationId xmlns:p14="http://schemas.microsoft.com/office/powerpoint/2010/main" val="300472820"/>
       </p:ext>
     </p:extLst>
   </p:cSld>
@@ -2136,7 +2146,7 @@
           <a:p>
             <a:fld id="{4B11139C-C265-4139-AC99-3E80FFA94C2A}" type="datetimeFigureOut">
               <a:rPr lang="en-US" smtClean="0"/>
-              <a:t>3/11/2024</a:t>
+              <a:t>3/16/2024</a:t>
             </a:fld>
             <a:endParaRPr lang="en-US"/>
           </a:p>
@@ -2187,7 +2197,7 @@
     </p:spTree>
     <p:extLst>
       <p:ext uri="{BB962C8B-B14F-4D97-AF65-F5344CB8AC3E}">
-        <p14:creationId xmlns:p14="http://schemas.microsoft.com/office/powerpoint/2010/main" val="3279206426"/>
+        <p14:creationId xmlns:p14="http://schemas.microsoft.com/office/powerpoint/2010/main" val="1833327616"/>
       </p:ext>
     </p:extLst>
   </p:cSld>
@@ -2419,7 +2429,7 @@
           <a:p>
             <a:fld id="{4B11139C-C265-4139-AC99-3E80FFA94C2A}" type="datetimeFigureOut">
               <a:rPr lang="en-US" smtClean="0"/>
-              <a:t>3/11/2024</a:t>
+              <a:t>3/16/2024</a:t>
             </a:fld>
             <a:endParaRPr lang="en-US"/>
           </a:p>
@@ -2470,7 +2480,7 @@
     </p:spTree>
     <p:extLst>
       <p:ext uri="{BB962C8B-B14F-4D97-AF65-F5344CB8AC3E}">
-        <p14:creationId xmlns:p14="http://schemas.microsoft.com/office/powerpoint/2010/main" val="3340779675"/>
+        <p14:creationId xmlns:p14="http://schemas.microsoft.com/office/powerpoint/2010/main" val="315087511"/>
       </p:ext>
     </p:extLst>
   </p:cSld>
@@ -2762,7 +2772,7 @@
           <a:p>
             <a:fld id="{4B11139C-C265-4139-AC99-3E80FFA94C2A}" type="datetimeFigureOut">
               <a:rPr lang="en-US" smtClean="0"/>
-              <a:t>3/11/2024</a:t>
+              <a:t>3/16/2024</a:t>
             </a:fld>
             <a:endParaRPr lang="en-US"/>
           </a:p>
@@ -2813,7 +2823,7 @@
     </p:spTree>
     <p:extLst>
       <p:ext uri="{BB962C8B-B14F-4D97-AF65-F5344CB8AC3E}">
-        <p14:creationId xmlns:p14="http://schemas.microsoft.com/office/powerpoint/2010/main" val="2919621004"/>
+        <p14:creationId xmlns:p14="http://schemas.microsoft.com/office/powerpoint/2010/main" val="2797945352"/>
       </p:ext>
     </p:extLst>
   </p:cSld>
@@ -3101,7 +3111,7 @@
           <a:p>
             <a:fld id="{4B11139C-C265-4139-AC99-3E80FFA94C2A}" type="datetimeFigureOut">
               <a:rPr lang="en-US" smtClean="0"/>
-              <a:t>3/11/2024</a:t>
+              <a:t>3/16/2024</a:t>
             </a:fld>
             <a:endParaRPr lang="en-US"/>
           </a:p>
@@ -3152,7 +3162,7 @@
     </p:spTree>
     <p:extLst>
       <p:ext uri="{BB962C8B-B14F-4D97-AF65-F5344CB8AC3E}">
-        <p14:creationId xmlns:p14="http://schemas.microsoft.com/office/powerpoint/2010/main" val="1990591714"/>
+        <p14:creationId xmlns:p14="http://schemas.microsoft.com/office/powerpoint/2010/main" val="4059834355"/>
       </p:ext>
     </p:extLst>
   </p:cSld>
@@ -3578,7 +3588,7 @@
           <a:p>
             <a:fld id="{4B11139C-C265-4139-AC99-3E80FFA94C2A}" type="datetimeFigureOut">
               <a:rPr lang="en-US" smtClean="0"/>
-              <a:t>3/11/2024</a:t>
+              <a:t>3/16/2024</a:t>
             </a:fld>
             <a:endParaRPr lang="en-US"/>
           </a:p>
@@ -3629,7 +3639,7 @@
     </p:spTree>
     <p:extLst>
       <p:ext uri="{BB962C8B-B14F-4D97-AF65-F5344CB8AC3E}">
-        <p14:creationId xmlns:p14="http://schemas.microsoft.com/office/powerpoint/2010/main" val="2709891950"/>
+        <p14:creationId xmlns:p14="http://schemas.microsoft.com/office/powerpoint/2010/main" val="634200481"/>
       </p:ext>
     </p:extLst>
   </p:cSld>
@@ -3799,7 +3809,7 @@
           <a:p>
             <a:fld id="{4B11139C-C265-4139-AC99-3E80FFA94C2A}" type="datetimeFigureOut">
               <a:rPr lang="en-US" smtClean="0"/>
-              <a:t>3/11/2024</a:t>
+              <a:t>3/16/2024</a:t>
             </a:fld>
             <a:endParaRPr lang="en-US"/>
           </a:p>
@@ -3850,7 +3860,7 @@
     </p:spTree>
     <p:extLst>
       <p:ext uri="{BB962C8B-B14F-4D97-AF65-F5344CB8AC3E}">
-        <p14:creationId xmlns:p14="http://schemas.microsoft.com/office/powerpoint/2010/main" val="2760870567"/>
+        <p14:creationId xmlns:p14="http://schemas.microsoft.com/office/powerpoint/2010/main" val="1514692899"/>
       </p:ext>
     </p:extLst>
   </p:cSld>
@@ -3894,7 +3904,7 @@
           <a:p>
             <a:fld id="{4B11139C-C265-4139-AC99-3E80FFA94C2A}" type="datetimeFigureOut">
               <a:rPr lang="en-US" smtClean="0"/>
-              <a:t>3/11/2024</a:t>
+              <a:t>3/16/2024</a:t>
             </a:fld>
             <a:endParaRPr lang="en-US"/>
           </a:p>
@@ -3945,7 +3955,7 @@
     </p:spTree>
     <p:extLst>
       <p:ext uri="{BB962C8B-B14F-4D97-AF65-F5344CB8AC3E}">
-        <p14:creationId xmlns:p14="http://schemas.microsoft.com/office/powerpoint/2010/main" val="1345274579"/>
+        <p14:creationId xmlns:p14="http://schemas.microsoft.com/office/powerpoint/2010/main" val="736877063"/>
       </p:ext>
     </p:extLst>
   </p:cSld>
@@ -4361,7 +4371,7 @@
           <a:p>
             <a:fld id="{4B11139C-C265-4139-AC99-3E80FFA94C2A}" type="datetimeFigureOut">
               <a:rPr lang="en-US" smtClean="0"/>
-              <a:t>3/11/2024</a:t>
+              <a:t>3/16/2024</a:t>
             </a:fld>
             <a:endParaRPr lang="en-US"/>
           </a:p>
@@ -4412,7 +4422,7 @@
     </p:spTree>
     <p:extLst>
       <p:ext uri="{BB962C8B-B14F-4D97-AF65-F5344CB8AC3E}">
-        <p14:creationId xmlns:p14="http://schemas.microsoft.com/office/powerpoint/2010/main" val="4082427908"/>
+        <p14:creationId xmlns:p14="http://schemas.microsoft.com/office/powerpoint/2010/main" val="2022785430"/>
       </p:ext>
     </p:extLst>
   </p:cSld>
@@ -4674,7 +4684,7 @@
           <a:p>
             <a:fld id="{4B11139C-C265-4139-AC99-3E80FFA94C2A}" type="datetimeFigureOut">
               <a:rPr lang="en-US" smtClean="0"/>
-              <a:t>3/11/2024</a:t>
+              <a:t>3/16/2024</a:t>
             </a:fld>
             <a:endParaRPr lang="en-US"/>
           </a:p>
@@ -4735,7 +4745,7 @@
     </p:spTree>
     <p:extLst>
       <p:ext uri="{BB962C8B-B14F-4D97-AF65-F5344CB8AC3E}">
-        <p14:creationId xmlns:p14="http://schemas.microsoft.com/office/powerpoint/2010/main" val="3050937568"/>
+        <p14:creationId xmlns:p14="http://schemas.microsoft.com/office/powerpoint/2010/main" val="3189592150"/>
       </p:ext>
     </p:extLst>
   </p:cSld>
@@ -4944,7 +4954,7 @@
           <a:p>
             <a:fld id="{4B11139C-C265-4139-AC99-3E80FFA94C2A}" type="datetimeFigureOut">
               <a:rPr lang="en-US" smtClean="0"/>
-              <a:t>3/11/2024</a:t>
+              <a:t>3/16/2024</a:t>
             </a:fld>
             <a:endParaRPr lang="en-US"/>
           </a:p>
@@ -4992,26 +5002,26 @@
     </p:spTree>
     <p:extLst>
       <p:ext uri="{BB962C8B-B14F-4D97-AF65-F5344CB8AC3E}">
-        <p14:creationId xmlns:p14="http://schemas.microsoft.com/office/powerpoint/2010/main" val="3418759712"/>
+        <p14:creationId xmlns:p14="http://schemas.microsoft.com/office/powerpoint/2010/main" val="4080350625"/>
       </p:ext>
     </p:extLst>
   </p:cSld>
   <p:clrMap bg1="dk1" tx1="lt1" bg2="dk2" tx2="lt2" accent1="accent1" accent2="accent2" accent3="accent3" accent4="accent4" accent5="accent5" accent6="accent6" hlink="hlink" folHlink="folHlink"/>
   <p:sldLayoutIdLst>
-    <p:sldLayoutId id="2147483688" r:id="rId1"/>
-    <p:sldLayoutId id="2147483689" r:id="rId2"/>
-    <p:sldLayoutId id="2147483690" r:id="rId3"/>
-    <p:sldLayoutId id="2147483691" r:id="rId4"/>
-    <p:sldLayoutId id="2147483692" r:id="rId5"/>
-    <p:sldLayoutId id="2147483693" r:id="rId6"/>
-    <p:sldLayoutId id="2147483694" r:id="rId7"/>
-    <p:sldLayoutId id="2147483695" r:id="rId8"/>
-    <p:sldLayoutId id="2147483696" r:id="rId9"/>
-    <p:sldLayoutId id="2147483697" r:id="rId10"/>
-    <p:sldLayoutId id="2147483698" r:id="rId11"/>
-    <p:sldLayoutId id="2147483699" r:id="rId12"/>
-    <p:sldLayoutId id="2147483700" r:id="rId13"/>
-    <p:sldLayoutId id="2147483701" r:id="rId14"/>
+    <p:sldLayoutId id="2147483715" r:id="rId1"/>
+    <p:sldLayoutId id="2147483716" r:id="rId2"/>
+    <p:sldLayoutId id="2147483717" r:id="rId3"/>
+    <p:sldLayoutId id="2147483718" r:id="rId4"/>
+    <p:sldLayoutId id="2147483719" r:id="rId5"/>
+    <p:sldLayoutId id="2147483720" r:id="rId6"/>
+    <p:sldLayoutId id="2147483721" r:id="rId7"/>
+    <p:sldLayoutId id="2147483722" r:id="rId8"/>
+    <p:sldLayoutId id="2147483723" r:id="rId9"/>
+    <p:sldLayoutId id="2147483724" r:id="rId10"/>
+    <p:sldLayoutId id="2147483725" r:id="rId11"/>
+    <p:sldLayoutId id="2147483726" r:id="rId12"/>
+    <p:sldLayoutId id="2147483727" r:id="rId13"/>
+    <p:sldLayoutId id="2147483728" r:id="rId14"/>
   </p:sldLayoutIdLst>
   <p:txStyles>
     <p:titleStyle>
@@ -5463,6 +5473,480 @@
 </p:sld>
 </file>
 
+<file path=ppt/slides/slide10.xml><?xml version="1.0" encoding="utf-8"?>
+<p:sld xmlns:a="http://schemas.openxmlformats.org/drawingml/2006/main" xmlns:r="http://schemas.openxmlformats.org/officeDocument/2006/relationships" xmlns:p="http://schemas.openxmlformats.org/presentationml/2006/main">
+  <p:cSld>
+    <p:spTree>
+      <p:nvGrpSpPr>
+        <p:cNvPr id="1" name=""/>
+        <p:cNvGrpSpPr/>
+        <p:nvPr/>
+      </p:nvGrpSpPr>
+      <p:grpSpPr>
+        <a:xfrm>
+          <a:off x="0" y="0"/>
+          <a:ext cx="0" cy="0"/>
+          <a:chOff x="0" y="0"/>
+          <a:chExt cx="0" cy="0"/>
+        </a:xfrm>
+      </p:grpSpPr>
+      <p:sp>
+        <p:nvSpPr>
+          <p:cNvPr id="2" name="Title 1">
+            <a:extLst>
+              <a:ext uri="{FF2B5EF4-FFF2-40B4-BE49-F238E27FC236}">
+                <a16:creationId xmlns:a16="http://schemas.microsoft.com/office/drawing/2014/main" id="{9F32F2CE-EBB6-23D2-AC4D-6048E266C8D4}"/>
+              </a:ext>
+            </a:extLst>
+          </p:cNvPr>
+          <p:cNvSpPr>
+            <a:spLocks noGrp="1"/>
+          </p:cNvSpPr>
+          <p:nvPr>
+            <p:ph type="title"/>
+          </p:nvPr>
+        </p:nvSpPr>
+        <p:spPr>
+          <a:xfrm>
+            <a:off x="2750495" y="2766218"/>
+            <a:ext cx="6691009" cy="1325563"/>
+          </a:xfrm>
+        </p:spPr>
+        <p:txBody>
+          <a:bodyPr/>
+          <a:lstStyle/>
+          <a:p>
+            <a:pPr algn="ctr"/>
+            <a:r>
+              <a:rPr lang="en-US" dirty="0"/>
+              <a:t>Project 4. Mad Libs Game</a:t>
+            </a:r>
+          </a:p>
+        </p:txBody>
+      </p:sp>
+    </p:spTree>
+    <p:extLst>
+      <p:ext uri="{BB962C8B-B14F-4D97-AF65-F5344CB8AC3E}">
+        <p14:creationId xmlns:p14="http://schemas.microsoft.com/office/powerpoint/2010/main" val="4103542207"/>
+      </p:ext>
+    </p:extLst>
+  </p:cSld>
+  <p:clrMapOvr>
+    <a:masterClrMapping/>
+  </p:clrMapOvr>
+</p:sld>
+</file>
+
+<file path=ppt/slides/slide11.xml><?xml version="1.0" encoding="utf-8"?>
+<p:sld xmlns:a="http://schemas.openxmlformats.org/drawingml/2006/main" xmlns:r="http://schemas.openxmlformats.org/officeDocument/2006/relationships" xmlns:p="http://schemas.openxmlformats.org/presentationml/2006/main">
+  <p:cSld>
+    <p:spTree>
+      <p:nvGrpSpPr>
+        <p:cNvPr id="1" name=""/>
+        <p:cNvGrpSpPr/>
+        <p:nvPr/>
+      </p:nvGrpSpPr>
+      <p:grpSpPr>
+        <a:xfrm>
+          <a:off x="0" y="0"/>
+          <a:ext cx="0" cy="0"/>
+          <a:chOff x="0" y="0"/>
+          <a:chExt cx="0" cy="0"/>
+        </a:xfrm>
+      </p:grpSpPr>
+      <p:sp>
+        <p:nvSpPr>
+          <p:cNvPr id="2" name="Title 1">
+            <a:extLst>
+              <a:ext uri="{FF2B5EF4-FFF2-40B4-BE49-F238E27FC236}">
+                <a16:creationId xmlns:a16="http://schemas.microsoft.com/office/drawing/2014/main" id="{31E61437-620E-5825-4AC9-CF864C31D720}"/>
+              </a:ext>
+            </a:extLst>
+          </p:cNvPr>
+          <p:cNvSpPr>
+            <a:spLocks noGrp="1"/>
+          </p:cNvSpPr>
+          <p:nvPr>
+            <p:ph type="title"/>
+          </p:nvPr>
+        </p:nvSpPr>
+        <p:spPr/>
+        <p:txBody>
+          <a:bodyPr/>
+          <a:lstStyle/>
+          <a:p>
+            <a:r>
+              <a:rPr lang="en-US" dirty="0"/>
+              <a:t>Project Description:</a:t>
+            </a:r>
+          </a:p>
+        </p:txBody>
+      </p:sp>
+      <p:sp>
+        <p:nvSpPr>
+          <p:cNvPr id="3" name="Content Placeholder 2">
+            <a:extLst>
+              <a:ext uri="{FF2B5EF4-FFF2-40B4-BE49-F238E27FC236}">
+                <a16:creationId xmlns:a16="http://schemas.microsoft.com/office/drawing/2014/main" id="{30884D73-6F75-62F0-70A5-78763E304D6F}"/>
+              </a:ext>
+            </a:extLst>
+          </p:cNvPr>
+          <p:cNvSpPr>
+            <a:spLocks noGrp="1"/>
+          </p:cNvSpPr>
+          <p:nvPr>
+            <p:ph idx="1"/>
+          </p:nvPr>
+        </p:nvSpPr>
+        <p:spPr>
+          <a:xfrm>
+            <a:off x="838200" y="2766218"/>
+            <a:ext cx="10515600" cy="1325563"/>
+          </a:xfrm>
+        </p:spPr>
+        <p:txBody>
+          <a:bodyPr/>
+          <a:lstStyle/>
+          <a:p>
+            <a:pPr marL="0" indent="0">
+              <a:buNone/>
+            </a:pPr>
+            <a:r>
+              <a:rPr lang="en-US" dirty="0"/>
+              <a:t>This project combines basic string manipulation with user input. Children fill in the blanks of a story with their own words.</a:t>
+            </a:r>
+          </a:p>
+        </p:txBody>
+      </p:sp>
+    </p:spTree>
+    <p:extLst>
+      <p:ext uri="{BB962C8B-B14F-4D97-AF65-F5344CB8AC3E}">
+        <p14:creationId xmlns:p14="http://schemas.microsoft.com/office/powerpoint/2010/main" val="542431188"/>
+      </p:ext>
+    </p:extLst>
+  </p:cSld>
+  <p:clrMapOvr>
+    <a:masterClrMapping/>
+  </p:clrMapOvr>
+</p:sld>
+</file>
+
+<file path=ppt/slides/slide12.xml><?xml version="1.0" encoding="utf-8"?>
+<p:sld xmlns:a="http://schemas.openxmlformats.org/drawingml/2006/main" xmlns:r="http://schemas.openxmlformats.org/officeDocument/2006/relationships" xmlns:p="http://schemas.openxmlformats.org/presentationml/2006/main">
+  <p:cSld>
+    <p:spTree>
+      <p:nvGrpSpPr>
+        <p:cNvPr id="1" name=""/>
+        <p:cNvGrpSpPr/>
+        <p:nvPr/>
+      </p:nvGrpSpPr>
+      <p:grpSpPr>
+        <a:xfrm>
+          <a:off x="0" y="0"/>
+          <a:ext cx="0" cy="0"/>
+          <a:chOff x="0" y="0"/>
+          <a:chExt cx="0" cy="0"/>
+        </a:xfrm>
+      </p:grpSpPr>
+      <p:sp>
+        <p:nvSpPr>
+          <p:cNvPr id="2" name="Title 1">
+            <a:extLst>
+              <a:ext uri="{FF2B5EF4-FFF2-40B4-BE49-F238E27FC236}">
+                <a16:creationId xmlns:a16="http://schemas.microsoft.com/office/drawing/2014/main" id="{65D865A2-BA47-EE6E-9E92-8DB7F9644025}"/>
+              </a:ext>
+            </a:extLst>
+          </p:cNvPr>
+          <p:cNvSpPr>
+            <a:spLocks noGrp="1"/>
+          </p:cNvSpPr>
+          <p:nvPr>
+            <p:ph type="title"/>
+          </p:nvPr>
+        </p:nvSpPr>
+        <p:spPr>
+          <a:xfrm>
+            <a:off x="2619172" y="2766218"/>
+            <a:ext cx="6953655" cy="1325563"/>
+          </a:xfrm>
+        </p:spPr>
+        <p:txBody>
+          <a:bodyPr/>
+          <a:lstStyle/>
+          <a:p>
+            <a:pPr algn="ctr"/>
+            <a:r>
+              <a:rPr lang="en-US" dirty="0"/>
+              <a:t>Project 5. Hangman Game</a:t>
+            </a:r>
+          </a:p>
+        </p:txBody>
+      </p:sp>
+    </p:spTree>
+    <p:extLst>
+      <p:ext uri="{BB962C8B-B14F-4D97-AF65-F5344CB8AC3E}">
+        <p14:creationId xmlns:p14="http://schemas.microsoft.com/office/powerpoint/2010/main" val="4206440097"/>
+      </p:ext>
+    </p:extLst>
+  </p:cSld>
+  <p:clrMapOvr>
+    <a:masterClrMapping/>
+  </p:clrMapOvr>
+</p:sld>
+</file>
+
+<file path=ppt/slides/slide13.xml><?xml version="1.0" encoding="utf-8"?>
+<p:sld xmlns:a="http://schemas.openxmlformats.org/drawingml/2006/main" xmlns:r="http://schemas.openxmlformats.org/officeDocument/2006/relationships" xmlns:p="http://schemas.openxmlformats.org/presentationml/2006/main">
+  <p:cSld>
+    <p:spTree>
+      <p:nvGrpSpPr>
+        <p:cNvPr id="1" name=""/>
+        <p:cNvGrpSpPr/>
+        <p:nvPr/>
+      </p:nvGrpSpPr>
+      <p:grpSpPr>
+        <a:xfrm>
+          <a:off x="0" y="0"/>
+          <a:ext cx="0" cy="0"/>
+          <a:chOff x="0" y="0"/>
+          <a:chExt cx="0" cy="0"/>
+        </a:xfrm>
+      </p:grpSpPr>
+      <p:sp>
+        <p:nvSpPr>
+          <p:cNvPr id="2" name="Title 1">
+            <a:extLst>
+              <a:ext uri="{FF2B5EF4-FFF2-40B4-BE49-F238E27FC236}">
+                <a16:creationId xmlns:a16="http://schemas.microsoft.com/office/drawing/2014/main" id="{BA9B86DC-A23C-12CD-A5AE-36B64BFB6C5A}"/>
+              </a:ext>
+            </a:extLst>
+          </p:cNvPr>
+          <p:cNvSpPr>
+            <a:spLocks noGrp="1"/>
+          </p:cNvSpPr>
+          <p:nvPr>
+            <p:ph type="title"/>
+          </p:nvPr>
+        </p:nvSpPr>
+        <p:spPr/>
+        <p:txBody>
+          <a:bodyPr/>
+          <a:lstStyle/>
+          <a:p>
+            <a:r>
+              <a:rPr lang="en-US" dirty="0"/>
+              <a:t>Project Description:</a:t>
+            </a:r>
+          </a:p>
+        </p:txBody>
+      </p:sp>
+      <p:sp>
+        <p:nvSpPr>
+          <p:cNvPr id="3" name="Content Placeholder 2">
+            <a:extLst>
+              <a:ext uri="{FF2B5EF4-FFF2-40B4-BE49-F238E27FC236}">
+                <a16:creationId xmlns:a16="http://schemas.microsoft.com/office/drawing/2014/main" id="{10357158-FDAC-87CD-4812-267E702B62C3}"/>
+              </a:ext>
+            </a:extLst>
+          </p:cNvPr>
+          <p:cNvSpPr>
+            <a:spLocks noGrp="1"/>
+          </p:cNvSpPr>
+          <p:nvPr>
+            <p:ph idx="1"/>
+          </p:nvPr>
+        </p:nvSpPr>
+        <p:spPr>
+          <a:xfrm>
+            <a:off x="838200" y="2766218"/>
+            <a:ext cx="10515600" cy="1325563"/>
+          </a:xfrm>
+        </p:spPr>
+        <p:txBody>
+          <a:bodyPr/>
+          <a:lstStyle/>
+          <a:p>
+            <a:pPr marL="0" indent="0">
+              <a:buNone/>
+            </a:pPr>
+            <a:r>
+              <a:rPr lang="en-US" dirty="0"/>
+              <a:t>This project introduces string manipulation and loops. Children guess letters to uncover a hidden word.</a:t>
+            </a:r>
+          </a:p>
+        </p:txBody>
+      </p:sp>
+    </p:spTree>
+    <p:extLst>
+      <p:ext uri="{BB962C8B-B14F-4D97-AF65-F5344CB8AC3E}">
+        <p14:creationId xmlns:p14="http://schemas.microsoft.com/office/powerpoint/2010/main" val="1896823597"/>
+      </p:ext>
+    </p:extLst>
+  </p:cSld>
+  <p:clrMapOvr>
+    <a:masterClrMapping/>
+  </p:clrMapOvr>
+</p:sld>
+</file>
+
+<file path=ppt/slides/slide14.xml><?xml version="1.0" encoding="utf-8"?>
+<p:sld xmlns:a="http://schemas.openxmlformats.org/drawingml/2006/main" xmlns:r="http://schemas.openxmlformats.org/officeDocument/2006/relationships" xmlns:p="http://schemas.openxmlformats.org/presentationml/2006/main">
+  <p:cSld>
+    <p:spTree>
+      <p:nvGrpSpPr>
+        <p:cNvPr id="1" name=""/>
+        <p:cNvGrpSpPr/>
+        <p:nvPr/>
+      </p:nvGrpSpPr>
+      <p:grpSpPr>
+        <a:xfrm>
+          <a:off x="0" y="0"/>
+          <a:ext cx="0" cy="0"/>
+          <a:chOff x="0" y="0"/>
+          <a:chExt cx="0" cy="0"/>
+        </a:xfrm>
+      </p:grpSpPr>
+      <p:sp>
+        <p:nvSpPr>
+          <p:cNvPr id="2" name="Title 1">
+            <a:extLst>
+              <a:ext uri="{FF2B5EF4-FFF2-40B4-BE49-F238E27FC236}">
+                <a16:creationId xmlns:a16="http://schemas.microsoft.com/office/drawing/2014/main" id="{3DCE5DB4-1FEA-DD81-6F49-DE1CC66BB628}"/>
+              </a:ext>
+            </a:extLst>
+          </p:cNvPr>
+          <p:cNvSpPr>
+            <a:spLocks noGrp="1"/>
+          </p:cNvSpPr>
+          <p:nvPr>
+            <p:ph type="title"/>
+          </p:nvPr>
+        </p:nvSpPr>
+        <p:spPr>
+          <a:xfrm>
+            <a:off x="1722201" y="2766218"/>
+            <a:ext cx="8747598" cy="1325563"/>
+          </a:xfrm>
+        </p:spPr>
+        <p:txBody>
+          <a:bodyPr/>
+          <a:lstStyle/>
+          <a:p>
+            <a:pPr algn="ctr"/>
+            <a:r>
+              <a:rPr lang="en-US" dirty="0"/>
+              <a:t>Project 6. Simple Drawing Program</a:t>
+            </a:r>
+          </a:p>
+        </p:txBody>
+      </p:sp>
+    </p:spTree>
+    <p:extLst>
+      <p:ext uri="{BB962C8B-B14F-4D97-AF65-F5344CB8AC3E}">
+        <p14:creationId xmlns:p14="http://schemas.microsoft.com/office/powerpoint/2010/main" val="1530723415"/>
+      </p:ext>
+    </p:extLst>
+  </p:cSld>
+  <p:clrMapOvr>
+    <a:masterClrMapping/>
+  </p:clrMapOvr>
+</p:sld>
+</file>
+
+<file path=ppt/slides/slide15.xml><?xml version="1.0" encoding="utf-8"?>
+<p:sld xmlns:a="http://schemas.openxmlformats.org/drawingml/2006/main" xmlns:r="http://schemas.openxmlformats.org/officeDocument/2006/relationships" xmlns:p="http://schemas.openxmlformats.org/presentationml/2006/main">
+  <p:cSld>
+    <p:spTree>
+      <p:nvGrpSpPr>
+        <p:cNvPr id="1" name=""/>
+        <p:cNvGrpSpPr/>
+        <p:nvPr/>
+      </p:nvGrpSpPr>
+      <p:grpSpPr>
+        <a:xfrm>
+          <a:off x="0" y="0"/>
+          <a:ext cx="0" cy="0"/>
+          <a:chOff x="0" y="0"/>
+          <a:chExt cx="0" cy="0"/>
+        </a:xfrm>
+      </p:grpSpPr>
+      <p:sp>
+        <p:nvSpPr>
+          <p:cNvPr id="2" name="Title 1">
+            <a:extLst>
+              <a:ext uri="{FF2B5EF4-FFF2-40B4-BE49-F238E27FC236}">
+                <a16:creationId xmlns:a16="http://schemas.microsoft.com/office/drawing/2014/main" id="{1B44277E-E34B-0132-200E-1D7591795F1B}"/>
+              </a:ext>
+            </a:extLst>
+          </p:cNvPr>
+          <p:cNvSpPr>
+            <a:spLocks noGrp="1"/>
+          </p:cNvSpPr>
+          <p:nvPr>
+            <p:ph type="title"/>
+          </p:nvPr>
+        </p:nvSpPr>
+        <p:spPr/>
+        <p:txBody>
+          <a:bodyPr/>
+          <a:lstStyle/>
+          <a:p>
+            <a:r>
+              <a:rPr lang="en-US" dirty="0"/>
+              <a:t>Project Description:</a:t>
+            </a:r>
+          </a:p>
+        </p:txBody>
+      </p:sp>
+      <p:sp>
+        <p:nvSpPr>
+          <p:cNvPr id="3" name="Content Placeholder 2">
+            <a:extLst>
+              <a:ext uri="{FF2B5EF4-FFF2-40B4-BE49-F238E27FC236}">
+                <a16:creationId xmlns:a16="http://schemas.microsoft.com/office/drawing/2014/main" id="{8B4FE5F1-A08A-CC88-20A0-D8DD4E087D2E}"/>
+              </a:ext>
+            </a:extLst>
+          </p:cNvPr>
+          <p:cNvSpPr>
+            <a:spLocks noGrp="1"/>
+          </p:cNvSpPr>
+          <p:nvPr>
+            <p:ph idx="1"/>
+          </p:nvPr>
+        </p:nvSpPr>
+        <p:spPr>
+          <a:xfrm>
+            <a:off x="838200" y="2766218"/>
+            <a:ext cx="10515600" cy="1325563"/>
+          </a:xfrm>
+        </p:spPr>
+        <p:txBody>
+          <a:bodyPr/>
+          <a:lstStyle/>
+          <a:p>
+            <a:pPr marL="0" indent="0">
+              <a:buNone/>
+            </a:pPr>
+            <a:r>
+              <a:rPr lang="en-US" dirty="0"/>
+              <a:t>This project introduces basic graphical user interface (GUI) concepts using the ‘turtle’ module. Children can draw shapes and patterns.</a:t>
+            </a:r>
+          </a:p>
+        </p:txBody>
+      </p:sp>
+    </p:spTree>
+    <p:extLst>
+      <p:ext uri="{BB962C8B-B14F-4D97-AF65-F5344CB8AC3E}">
+        <p14:creationId xmlns:p14="http://schemas.microsoft.com/office/powerpoint/2010/main" val="3048533037"/>
+      </p:ext>
+    </p:extLst>
+  </p:cSld>
+  <p:clrMapOvr>
+    <a:masterClrMapping/>
+  </p:clrMapOvr>
+</p:sld>
+</file>
+
 <file path=ppt/slides/slide2.xml><?xml version="1.0" encoding="utf-8"?>
 <p:sld xmlns:a="http://schemas.openxmlformats.org/drawingml/2006/main" xmlns:r="http://schemas.openxmlformats.org/officeDocument/2006/relationships" xmlns:p="http://schemas.openxmlformats.org/presentationml/2006/main">
   <p:cSld>
@@ -5814,6 +6298,343 @@
     <p:extLst>
       <p:ext uri="{BB962C8B-B14F-4D97-AF65-F5344CB8AC3E}">
         <p14:creationId xmlns:p14="http://schemas.microsoft.com/office/powerpoint/2010/main" val="1599281029"/>
+      </p:ext>
+    </p:extLst>
+  </p:cSld>
+  <p:clrMapOvr>
+    <a:masterClrMapping/>
+  </p:clrMapOvr>
+</p:sld>
+</file>
+
+<file path=ppt/slides/slide6.xml><?xml version="1.0" encoding="utf-8"?>
+<p:sld xmlns:a="http://schemas.openxmlformats.org/drawingml/2006/main" xmlns:r="http://schemas.openxmlformats.org/officeDocument/2006/relationships" xmlns:p="http://schemas.openxmlformats.org/presentationml/2006/main">
+  <p:cSld>
+    <p:spTree>
+      <p:nvGrpSpPr>
+        <p:cNvPr id="1" name=""/>
+        <p:cNvGrpSpPr/>
+        <p:nvPr/>
+      </p:nvGrpSpPr>
+      <p:grpSpPr>
+        <a:xfrm>
+          <a:off x="0" y="0"/>
+          <a:ext cx="0" cy="0"/>
+          <a:chOff x="0" y="0"/>
+          <a:chExt cx="0" cy="0"/>
+        </a:xfrm>
+      </p:grpSpPr>
+      <p:sp>
+        <p:nvSpPr>
+          <p:cNvPr id="2" name="Title 1">
+            <a:extLst>
+              <a:ext uri="{FF2B5EF4-FFF2-40B4-BE49-F238E27FC236}">
+                <a16:creationId xmlns:a16="http://schemas.microsoft.com/office/drawing/2014/main" id="{7619580E-D8E5-AD6D-1FDF-D5F10F3FF960}"/>
+              </a:ext>
+            </a:extLst>
+          </p:cNvPr>
+          <p:cNvSpPr>
+            <a:spLocks noGrp="1"/>
+          </p:cNvSpPr>
+          <p:nvPr>
+            <p:ph type="title"/>
+          </p:nvPr>
+        </p:nvSpPr>
+        <p:spPr>
+          <a:xfrm>
+            <a:off x="2307887" y="2766218"/>
+            <a:ext cx="7576226" cy="1325563"/>
+          </a:xfrm>
+        </p:spPr>
+        <p:txBody>
+          <a:bodyPr/>
+          <a:lstStyle/>
+          <a:p>
+            <a:pPr algn="ctr"/>
+            <a:r>
+              <a:rPr lang="en-US" dirty="0"/>
+              <a:t>Project 2. Guess the Number</a:t>
+            </a:r>
+          </a:p>
+        </p:txBody>
+      </p:sp>
+    </p:spTree>
+    <p:extLst>
+      <p:ext uri="{BB962C8B-B14F-4D97-AF65-F5344CB8AC3E}">
+        <p14:creationId xmlns:p14="http://schemas.microsoft.com/office/powerpoint/2010/main" val="2233917519"/>
+      </p:ext>
+    </p:extLst>
+  </p:cSld>
+  <p:clrMapOvr>
+    <a:masterClrMapping/>
+  </p:clrMapOvr>
+</p:sld>
+</file>
+
+<file path=ppt/slides/slide7.xml><?xml version="1.0" encoding="utf-8"?>
+<p:sld xmlns:a="http://schemas.openxmlformats.org/drawingml/2006/main" xmlns:r="http://schemas.openxmlformats.org/officeDocument/2006/relationships" xmlns:p="http://schemas.openxmlformats.org/presentationml/2006/main">
+  <p:cSld>
+    <p:spTree>
+      <p:nvGrpSpPr>
+        <p:cNvPr id="1" name=""/>
+        <p:cNvGrpSpPr/>
+        <p:nvPr/>
+      </p:nvGrpSpPr>
+      <p:grpSpPr>
+        <a:xfrm>
+          <a:off x="0" y="0"/>
+          <a:ext cx="0" cy="0"/>
+          <a:chOff x="0" y="0"/>
+          <a:chExt cx="0" cy="0"/>
+        </a:xfrm>
+      </p:grpSpPr>
+      <p:sp>
+        <p:nvSpPr>
+          <p:cNvPr id="2" name="Title 1">
+            <a:extLst>
+              <a:ext uri="{FF2B5EF4-FFF2-40B4-BE49-F238E27FC236}">
+                <a16:creationId xmlns:a16="http://schemas.microsoft.com/office/drawing/2014/main" id="{7C3946E2-649E-24FE-0C7E-D0DA9E95F09C}"/>
+              </a:ext>
+            </a:extLst>
+          </p:cNvPr>
+          <p:cNvSpPr>
+            <a:spLocks noGrp="1"/>
+          </p:cNvSpPr>
+          <p:nvPr>
+            <p:ph type="title"/>
+          </p:nvPr>
+        </p:nvSpPr>
+        <p:spPr/>
+        <p:txBody>
+          <a:bodyPr/>
+          <a:lstStyle/>
+          <a:p>
+            <a:r>
+              <a:rPr lang="en-US" dirty="0"/>
+              <a:t>Project Description</a:t>
+            </a:r>
+            <a:r>
+              <a:rPr lang="ar-EG" dirty="0"/>
+              <a:t>:</a:t>
+            </a:r>
+            <a:endParaRPr lang="en-US" dirty="0"/>
+          </a:p>
+        </p:txBody>
+      </p:sp>
+      <p:sp>
+        <p:nvSpPr>
+          <p:cNvPr id="3" name="Content Placeholder 2">
+            <a:extLst>
+              <a:ext uri="{FF2B5EF4-FFF2-40B4-BE49-F238E27FC236}">
+                <a16:creationId xmlns:a16="http://schemas.microsoft.com/office/drawing/2014/main" id="{9BF06481-E8AA-3FCB-0AF7-AA9A87923B6F}"/>
+              </a:ext>
+            </a:extLst>
+          </p:cNvPr>
+          <p:cNvSpPr>
+            <a:spLocks noGrp="1"/>
+          </p:cNvSpPr>
+          <p:nvPr>
+            <p:ph idx="1"/>
+          </p:nvPr>
+        </p:nvSpPr>
+        <p:spPr/>
+        <p:txBody>
+          <a:bodyPr/>
+          <a:lstStyle/>
+          <a:p>
+            <a:pPr marL="0" indent="0">
+              <a:buNone/>
+            </a:pPr>
+            <a:r>
+              <a:rPr lang="en-US" dirty="0"/>
+              <a:t>This project involves generating a random number and letting the user guess it.</a:t>
+            </a:r>
+          </a:p>
+          <a:p>
+            <a:endParaRPr lang="en-US" dirty="0"/>
+          </a:p>
+          <a:p>
+            <a:r>
+              <a:rPr lang="en-US" dirty="0"/>
+              <a:t>It generates a random number.</a:t>
+            </a:r>
+          </a:p>
+          <a:p>
+            <a:r>
+              <a:rPr lang="en-US" dirty="0"/>
+              <a:t>Allows the user to guess a number.</a:t>
+            </a:r>
+          </a:p>
+          <a:p>
+            <a:r>
+              <a:rPr lang="en-US" dirty="0"/>
+              <a:t>If the guessed input number is smaller than the generated number, a message "Too low!" is printed. If it is larger, it prints the message "Too high!" Until you enter the correct number</a:t>
+            </a:r>
+          </a:p>
+        </p:txBody>
+      </p:sp>
+    </p:spTree>
+    <p:extLst>
+      <p:ext uri="{BB962C8B-B14F-4D97-AF65-F5344CB8AC3E}">
+        <p14:creationId xmlns:p14="http://schemas.microsoft.com/office/powerpoint/2010/main" val="2975778387"/>
+      </p:ext>
+    </p:extLst>
+  </p:cSld>
+  <p:clrMapOvr>
+    <a:masterClrMapping/>
+  </p:clrMapOvr>
+</p:sld>
+</file>
+
+<file path=ppt/slides/slide8.xml><?xml version="1.0" encoding="utf-8"?>
+<p:sld xmlns:a="http://schemas.openxmlformats.org/drawingml/2006/main" xmlns:r="http://schemas.openxmlformats.org/officeDocument/2006/relationships" xmlns:p="http://schemas.openxmlformats.org/presentationml/2006/main">
+  <p:cSld>
+    <p:spTree>
+      <p:nvGrpSpPr>
+        <p:cNvPr id="1" name=""/>
+        <p:cNvGrpSpPr/>
+        <p:nvPr/>
+      </p:nvGrpSpPr>
+      <p:grpSpPr>
+        <a:xfrm>
+          <a:off x="0" y="0"/>
+          <a:ext cx="0" cy="0"/>
+          <a:chOff x="0" y="0"/>
+          <a:chExt cx="0" cy="0"/>
+        </a:xfrm>
+      </p:grpSpPr>
+      <p:sp>
+        <p:nvSpPr>
+          <p:cNvPr id="2" name="Title 1">
+            <a:extLst>
+              <a:ext uri="{FF2B5EF4-FFF2-40B4-BE49-F238E27FC236}">
+                <a16:creationId xmlns:a16="http://schemas.microsoft.com/office/drawing/2014/main" id="{184FD435-8A06-7A12-9E09-9B203FB9AEA1}"/>
+              </a:ext>
+            </a:extLst>
+          </p:cNvPr>
+          <p:cNvSpPr>
+            <a:spLocks noGrp="1"/>
+          </p:cNvSpPr>
+          <p:nvPr>
+            <p:ph type="title"/>
+          </p:nvPr>
+        </p:nvSpPr>
+        <p:spPr>
+          <a:xfrm>
+            <a:off x="2633764" y="2766218"/>
+            <a:ext cx="6924472" cy="1325563"/>
+          </a:xfrm>
+        </p:spPr>
+        <p:txBody>
+          <a:bodyPr/>
+          <a:lstStyle/>
+          <a:p>
+            <a:pPr algn="ctr"/>
+            <a:r>
+              <a:rPr lang="en-US" dirty="0"/>
+              <a:t>Project 3. Simple To-Do List</a:t>
+            </a:r>
+          </a:p>
+        </p:txBody>
+      </p:sp>
+    </p:spTree>
+    <p:extLst>
+      <p:ext uri="{BB962C8B-B14F-4D97-AF65-F5344CB8AC3E}">
+        <p14:creationId xmlns:p14="http://schemas.microsoft.com/office/powerpoint/2010/main" val="1571515436"/>
+      </p:ext>
+    </p:extLst>
+  </p:cSld>
+  <p:clrMapOvr>
+    <a:masterClrMapping/>
+  </p:clrMapOvr>
+</p:sld>
+</file>
+
+<file path=ppt/slides/slide9.xml><?xml version="1.0" encoding="utf-8"?>
+<p:sld xmlns:a="http://schemas.openxmlformats.org/drawingml/2006/main" xmlns:r="http://schemas.openxmlformats.org/officeDocument/2006/relationships" xmlns:p="http://schemas.openxmlformats.org/presentationml/2006/main">
+  <p:cSld>
+    <p:spTree>
+      <p:nvGrpSpPr>
+        <p:cNvPr id="1" name=""/>
+        <p:cNvGrpSpPr/>
+        <p:nvPr/>
+      </p:nvGrpSpPr>
+      <p:grpSpPr>
+        <a:xfrm>
+          <a:off x="0" y="0"/>
+          <a:ext cx="0" cy="0"/>
+          <a:chOff x="0" y="0"/>
+          <a:chExt cx="0" cy="0"/>
+        </a:xfrm>
+      </p:grpSpPr>
+      <p:sp>
+        <p:nvSpPr>
+          <p:cNvPr id="2" name="Title 1">
+            <a:extLst>
+              <a:ext uri="{FF2B5EF4-FFF2-40B4-BE49-F238E27FC236}">
+                <a16:creationId xmlns:a16="http://schemas.microsoft.com/office/drawing/2014/main" id="{A8624C83-6E16-D503-2EE3-4230CA6811B1}"/>
+              </a:ext>
+            </a:extLst>
+          </p:cNvPr>
+          <p:cNvSpPr>
+            <a:spLocks noGrp="1"/>
+          </p:cNvSpPr>
+          <p:nvPr>
+            <p:ph type="title"/>
+          </p:nvPr>
+        </p:nvSpPr>
+        <p:spPr/>
+        <p:txBody>
+          <a:bodyPr/>
+          <a:lstStyle/>
+          <a:p>
+            <a:r>
+              <a:rPr lang="en-US" dirty="0"/>
+              <a:t>Project Description:</a:t>
+            </a:r>
+          </a:p>
+        </p:txBody>
+      </p:sp>
+      <p:sp>
+        <p:nvSpPr>
+          <p:cNvPr id="3" name="Content Placeholder 2">
+            <a:extLst>
+              <a:ext uri="{FF2B5EF4-FFF2-40B4-BE49-F238E27FC236}">
+                <a16:creationId xmlns:a16="http://schemas.microsoft.com/office/drawing/2014/main" id="{12094DFA-34A8-1AEC-3993-12F797CCEE91}"/>
+              </a:ext>
+            </a:extLst>
+          </p:cNvPr>
+          <p:cNvSpPr>
+            <a:spLocks noGrp="1"/>
+          </p:cNvSpPr>
+          <p:nvPr>
+            <p:ph idx="1"/>
+          </p:nvPr>
+        </p:nvSpPr>
+        <p:spPr>
+          <a:xfrm>
+            <a:off x="838200" y="2766218"/>
+            <a:ext cx="10515600" cy="1325563"/>
+          </a:xfrm>
+        </p:spPr>
+        <p:txBody>
+          <a:bodyPr/>
+          <a:lstStyle/>
+          <a:p>
+            <a:pPr marL="0" indent="0">
+              <a:buNone/>
+            </a:pPr>
+            <a:r>
+              <a:rPr lang="en-US" dirty="0"/>
+              <a:t>This project introduces basic list manipulation. Children can add, remove, and display items in a to-do list.</a:t>
+            </a:r>
+          </a:p>
+        </p:txBody>
+      </p:sp>
+    </p:spTree>
+    <p:extLst>
+      <p:ext uri="{BB962C8B-B14F-4D97-AF65-F5344CB8AC3E}">
+        <p14:creationId xmlns:p14="http://schemas.microsoft.com/office/powerpoint/2010/main" val="3710442780"/>
       </p:ext>
     </p:extLst>
   </p:cSld>

--- a/Lesson 10.pptx
+++ b/Lesson 10.pptx
@@ -20,6 +20,14 @@
     <p:sldId id="268" r:id="rId14"/>
     <p:sldId id="269" r:id="rId15"/>
     <p:sldId id="270" r:id="rId16"/>
+    <p:sldId id="272" r:id="rId17"/>
+    <p:sldId id="273" r:id="rId18"/>
+    <p:sldId id="274" r:id="rId19"/>
+    <p:sldId id="275" r:id="rId20"/>
+    <p:sldId id="276" r:id="rId21"/>
+    <p:sldId id="277" r:id="rId22"/>
+    <p:sldId id="278" r:id="rId23"/>
+    <p:sldId id="279" r:id="rId24"/>
   </p:sldIdLst>
   <p:sldSz cx="12192000" cy="6858000"/>
   <p:notesSz cx="6858000" cy="9144000"/>
@@ -221,7 +229,7 @@
           <a:effectLst/>
           <a:extLst>
             <a:ext uri="{91240B29-F687-4f45-9708-019B960494DF}">
-              <a14:hiddenLine xmlns:a14="http://schemas.microsoft.com/office/drawing/2010/main" xmlns="" w="9525">
+              <a14:hiddenLine xmlns="" xmlns:a14="http://schemas.microsoft.com/office/drawing/2010/main" w="9525">
                 <a:solidFill>
                   <a:srgbClr val="000000"/>
                 </a:solidFill>
@@ -413,7 +421,7 @@
           <a:p>
             <a:fld id="{4B11139C-C265-4139-AC99-3E80FFA94C2A}" type="datetimeFigureOut">
               <a:rPr lang="en-US" smtClean="0"/>
-              <a:t>3/16/2024</a:t>
+              <a:t>6/2/2024</a:t>
             </a:fld>
             <a:endParaRPr lang="en-US"/>
           </a:p>
@@ -731,7 +739,7 @@
           <a:p>
             <a:fld id="{4B11139C-C265-4139-AC99-3E80FFA94C2A}" type="datetimeFigureOut">
               <a:rPr lang="en-US" smtClean="0"/>
-              <a:t>3/16/2024</a:t>
+              <a:t>6/2/2024</a:t>
             </a:fld>
             <a:endParaRPr lang="en-US"/>
           </a:p>
@@ -1219,7 +1227,7 @@
           <a:p>
             <a:fld id="{4B11139C-C265-4139-AC99-3E80FFA94C2A}" type="datetimeFigureOut">
               <a:rPr lang="en-US" smtClean="0"/>
-              <a:t>3/16/2024</a:t>
+              <a:t>6/2/2024</a:t>
             </a:fld>
             <a:endParaRPr lang="en-US"/>
           </a:p>
@@ -1588,7 +1596,7 @@
           <a:p>
             <a:fld id="{4B11139C-C265-4139-AC99-3E80FFA94C2A}" type="datetimeFigureOut">
               <a:rPr lang="en-US" smtClean="0"/>
-              <a:t>3/16/2024</a:t>
+              <a:t>6/2/2024</a:t>
             </a:fld>
             <a:endParaRPr lang="en-US"/>
           </a:p>
@@ -1743,7 +1751,7 @@
           <a:ln/>
           <a:extLst>
             <a:ext uri="{91240B29-F687-4f45-9708-019B960494DF}">
-              <a14:hiddenLine xmlns:a14="http://schemas.microsoft.com/office/drawing/2010/main" xmlns="" w="9525">
+              <a14:hiddenLine xmlns="" xmlns:a14="http://schemas.microsoft.com/office/drawing/2010/main" w="9525">
                 <a:solidFill>
                   <a:srgbClr val="000000"/>
                 </a:solidFill>
@@ -1861,7 +1869,7 @@
           <a:p>
             <a:fld id="{4B11139C-C265-4139-AC99-3E80FFA94C2A}" type="datetimeFigureOut">
               <a:rPr lang="en-US" smtClean="0"/>
-              <a:t>3/16/2024</a:t>
+              <a:t>6/2/2024</a:t>
             </a:fld>
             <a:endParaRPr lang="en-US"/>
           </a:p>
@@ -2018,7 +2026,7 @@
           <a:ln/>
           <a:extLst>
             <a:ext uri="{91240B29-F687-4f45-9708-019B960494DF}">
-              <a14:hiddenLine xmlns:a14="http://schemas.microsoft.com/office/drawing/2010/main" xmlns="" w="9525">
+              <a14:hiddenLine xmlns="" xmlns:a14="http://schemas.microsoft.com/office/drawing/2010/main" w="9525">
                 <a:solidFill>
                   <a:srgbClr val="000000"/>
                 </a:solidFill>
@@ -2146,7 +2154,7 @@
           <a:p>
             <a:fld id="{4B11139C-C265-4139-AC99-3E80FFA94C2A}" type="datetimeFigureOut">
               <a:rPr lang="en-US" smtClean="0"/>
-              <a:t>3/16/2024</a:t>
+              <a:t>6/2/2024</a:t>
             </a:fld>
             <a:endParaRPr lang="en-US"/>
           </a:p>
@@ -2301,7 +2309,7 @@
           <a:ln/>
           <a:extLst>
             <a:ext uri="{91240B29-F687-4f45-9708-019B960494DF}">
-              <a14:hiddenLine xmlns:a14="http://schemas.microsoft.com/office/drawing/2010/main" xmlns="" w="9525">
+              <a14:hiddenLine xmlns="" xmlns:a14="http://schemas.microsoft.com/office/drawing/2010/main" w="9525">
                 <a:solidFill>
                   <a:srgbClr val="000000"/>
                 </a:solidFill>
@@ -2429,7 +2437,7 @@
           <a:p>
             <a:fld id="{4B11139C-C265-4139-AC99-3E80FFA94C2A}" type="datetimeFigureOut">
               <a:rPr lang="en-US" smtClean="0"/>
-              <a:t>3/16/2024</a:t>
+              <a:t>6/2/2024</a:t>
             </a:fld>
             <a:endParaRPr lang="en-US"/>
           </a:p>
@@ -2772,7 +2780,7 @@
           <a:p>
             <a:fld id="{4B11139C-C265-4139-AC99-3E80FFA94C2A}" type="datetimeFigureOut">
               <a:rPr lang="en-US" smtClean="0"/>
-              <a:t>3/16/2024</a:t>
+              <a:t>6/2/2024</a:t>
             </a:fld>
             <a:endParaRPr lang="en-US"/>
           </a:p>
@@ -2927,7 +2935,7 @@
           <a:ln/>
           <a:extLst>
             <a:ext uri="{91240B29-F687-4f45-9708-019B960494DF}">
-              <a14:hiddenLine xmlns:a14="http://schemas.microsoft.com/office/drawing/2010/main" xmlns="" w="9525">
+              <a14:hiddenLine xmlns="" xmlns:a14="http://schemas.microsoft.com/office/drawing/2010/main" w="9525">
                 <a:solidFill>
                   <a:srgbClr val="000000"/>
                 </a:solidFill>
@@ -3111,7 +3119,7 @@
           <a:p>
             <a:fld id="{4B11139C-C265-4139-AC99-3E80FFA94C2A}" type="datetimeFigureOut">
               <a:rPr lang="en-US" smtClean="0"/>
-              <a:t>3/16/2024</a:t>
+              <a:t>6/2/2024</a:t>
             </a:fld>
             <a:endParaRPr lang="en-US"/>
           </a:p>
@@ -3266,7 +3274,7 @@
           <a:ln/>
           <a:extLst>
             <a:ext uri="{91240B29-F687-4f45-9708-019B960494DF}">
-              <a14:hiddenLine xmlns:a14="http://schemas.microsoft.com/office/drawing/2010/main" xmlns="" w="9525">
+              <a14:hiddenLine xmlns="" xmlns:a14="http://schemas.microsoft.com/office/drawing/2010/main" w="9525">
                 <a:solidFill>
                   <a:srgbClr val="000000"/>
                 </a:solidFill>
@@ -3588,7 +3596,7 @@
           <a:p>
             <a:fld id="{4B11139C-C265-4139-AC99-3E80FFA94C2A}" type="datetimeFigureOut">
               <a:rPr lang="en-US" smtClean="0"/>
-              <a:t>3/16/2024</a:t>
+              <a:t>6/2/2024</a:t>
             </a:fld>
             <a:endParaRPr lang="en-US"/>
           </a:p>
@@ -3743,7 +3751,7 @@
           <a:ln/>
           <a:extLst>
             <a:ext uri="{91240B29-F687-4f45-9708-019B960494DF}">
-              <a14:hiddenLine xmlns:a14="http://schemas.microsoft.com/office/drawing/2010/main" xmlns="" w="9525">
+              <a14:hiddenLine xmlns="" xmlns:a14="http://schemas.microsoft.com/office/drawing/2010/main" w="9525">
                 <a:solidFill>
                   <a:srgbClr val="000000"/>
                 </a:solidFill>
@@ -3809,7 +3817,7 @@
           <a:p>
             <a:fld id="{4B11139C-C265-4139-AC99-3E80FFA94C2A}" type="datetimeFigureOut">
               <a:rPr lang="en-US" smtClean="0"/>
-              <a:t>3/16/2024</a:t>
+              <a:t>6/2/2024</a:t>
             </a:fld>
             <a:endParaRPr lang="en-US"/>
           </a:p>
@@ -3904,7 +3912,7 @@
           <a:p>
             <a:fld id="{4B11139C-C265-4139-AC99-3E80FFA94C2A}" type="datetimeFigureOut">
               <a:rPr lang="en-US" smtClean="0"/>
-              <a:t>3/16/2024</a:t>
+              <a:t>6/2/2024</a:t>
             </a:fld>
             <a:endParaRPr lang="en-US"/>
           </a:p>
@@ -4172,7 +4180,7 @@
           <a:ln/>
           <a:extLst>
             <a:ext uri="{91240B29-F687-4f45-9708-019B960494DF}">
-              <a14:hiddenLine xmlns:a14="http://schemas.microsoft.com/office/drawing/2010/main" xmlns="" w="9525">
+              <a14:hiddenLine xmlns="" xmlns:a14="http://schemas.microsoft.com/office/drawing/2010/main" w="9525">
                 <a:solidFill>
                   <a:srgbClr val="000000"/>
                 </a:solidFill>
@@ -4371,7 +4379,7 @@
           <a:p>
             <a:fld id="{4B11139C-C265-4139-AC99-3E80FFA94C2A}" type="datetimeFigureOut">
               <a:rPr lang="en-US" smtClean="0"/>
-              <a:t>3/16/2024</a:t>
+              <a:t>6/2/2024</a:t>
             </a:fld>
             <a:endParaRPr lang="en-US"/>
           </a:p>
@@ -4684,7 +4692,7 @@
           <a:p>
             <a:fld id="{4B11139C-C265-4139-AC99-3E80FFA94C2A}" type="datetimeFigureOut">
               <a:rPr lang="en-US" smtClean="0"/>
-              <a:t>3/16/2024</a:t>
+              <a:t>6/2/2024</a:t>
             </a:fld>
             <a:endParaRPr lang="en-US"/>
           </a:p>
@@ -4954,7 +4962,7 @@
           <a:p>
             <a:fld id="{4B11139C-C265-4139-AC99-3E80FFA94C2A}" type="datetimeFigureOut">
               <a:rPr lang="en-US" smtClean="0"/>
-              <a:t>3/16/2024</a:t>
+              <a:t>6/2/2024</a:t>
             </a:fld>
             <a:endParaRPr lang="en-US"/>
           </a:p>
@@ -5508,8 +5516,8 @@
         </p:nvSpPr>
         <p:spPr>
           <a:xfrm>
-            <a:off x="2750495" y="2766218"/>
-            <a:ext cx="6691009" cy="1325563"/>
+            <a:off x="322634" y="2766218"/>
+            <a:ext cx="11546732" cy="1325563"/>
           </a:xfrm>
         </p:spPr>
         <p:txBody>
@@ -5519,7 +5527,7 @@
             <a:pPr algn="ctr"/>
             <a:r>
               <a:rPr lang="en-US" dirty="0"/>
-              <a:t>Project 4. Mad Libs Game</a:t>
+              <a:t>Project 4. Simple Text-Based Adventure Game</a:t>
             </a:r>
           </a:p>
         </p:txBody>
@@ -5600,8 +5608,8 @@
         </p:nvSpPr>
         <p:spPr>
           <a:xfrm>
-            <a:off x="838200" y="2766218"/>
-            <a:ext cx="10515600" cy="1325563"/>
+            <a:off x="838200" y="2607012"/>
+            <a:ext cx="10515600" cy="1643975"/>
           </a:xfrm>
         </p:spPr>
         <p:txBody>
@@ -5613,7 +5621,7 @@
             </a:pPr>
             <a:r>
               <a:rPr lang="en-US" dirty="0"/>
-              <a:t>This project combines basic string manipulation with user input. Children fill in the blanks of a story with their own words.</a:t>
+              <a:t>Develop a text-based adventure game where the player makes choices to navigate through different scenarios and reach an end goal.</a:t>
             </a:r>
           </a:p>
         </p:txBody>
@@ -5677,7 +5685,7 @@
             <a:pPr algn="ctr"/>
             <a:r>
               <a:rPr lang="en-US" dirty="0"/>
-              <a:t>Project 5. Hangman Game</a:t>
+              <a:t>Project 5. BMI Calculator</a:t>
             </a:r>
           </a:p>
         </p:txBody>
@@ -5771,7 +5779,7 @@
             </a:pPr>
             <a:r>
               <a:rPr lang="en-US" dirty="0"/>
-              <a:t>This project introduces string manipulation and loops. Children guess letters to uncover a hidden word.</a:t>
+              <a:t>Create a program that calculates and displays the Body Mass Index (BMI) based on the user's height and weight.</a:t>
             </a:r>
           </a:p>
         </p:txBody>
@@ -5947,6 +5955,322 @@
 </p:sld>
 </file>
 
+<file path=ppt/slides/slide16.xml><?xml version="1.0" encoding="utf-8"?>
+<p:sld xmlns:a="http://schemas.openxmlformats.org/drawingml/2006/main" xmlns:r="http://schemas.openxmlformats.org/officeDocument/2006/relationships" xmlns:p="http://schemas.openxmlformats.org/presentationml/2006/main">
+  <p:cSld>
+    <p:spTree>
+      <p:nvGrpSpPr>
+        <p:cNvPr id="1" name=""/>
+        <p:cNvGrpSpPr/>
+        <p:nvPr/>
+      </p:nvGrpSpPr>
+      <p:grpSpPr>
+        <a:xfrm>
+          <a:off x="0" y="0"/>
+          <a:ext cx="0" cy="0"/>
+          <a:chOff x="0" y="0"/>
+          <a:chExt cx="0" cy="0"/>
+        </a:xfrm>
+      </p:grpSpPr>
+      <p:sp>
+        <p:nvSpPr>
+          <p:cNvPr id="2" name="Title 1">
+            <a:extLst>
+              <a:ext uri="{FF2B5EF4-FFF2-40B4-BE49-F238E27FC236}">
+                <a16:creationId xmlns:a16="http://schemas.microsoft.com/office/drawing/2014/main" id="{3DCE5DB4-1FEA-DD81-6F49-DE1CC66BB628}"/>
+              </a:ext>
+            </a:extLst>
+          </p:cNvPr>
+          <p:cNvSpPr>
+            <a:spLocks noGrp="1"/>
+          </p:cNvSpPr>
+          <p:nvPr>
+            <p:ph type="title"/>
+          </p:nvPr>
+        </p:nvSpPr>
+        <p:spPr>
+          <a:xfrm>
+            <a:off x="1358832" y="2766218"/>
+            <a:ext cx="9474335" cy="1325563"/>
+          </a:xfrm>
+        </p:spPr>
+        <p:txBody>
+          <a:bodyPr/>
+          <a:lstStyle/>
+          <a:p>
+            <a:pPr algn="ctr"/>
+            <a:r>
+              <a:rPr lang="en-US" dirty="0"/>
+              <a:t>Project 7. Rock, Paper, Scissors Game</a:t>
+            </a:r>
+          </a:p>
+        </p:txBody>
+      </p:sp>
+    </p:spTree>
+    <p:extLst>
+      <p:ext uri="{BB962C8B-B14F-4D97-AF65-F5344CB8AC3E}">
+        <p14:creationId xmlns:p14="http://schemas.microsoft.com/office/powerpoint/2010/main" val="1033427230"/>
+      </p:ext>
+    </p:extLst>
+  </p:cSld>
+  <p:clrMapOvr>
+    <a:masterClrMapping/>
+  </p:clrMapOvr>
+</p:sld>
+</file>
+
+<file path=ppt/slides/slide17.xml><?xml version="1.0" encoding="utf-8"?>
+<p:sld xmlns:a="http://schemas.openxmlformats.org/drawingml/2006/main" xmlns:r="http://schemas.openxmlformats.org/officeDocument/2006/relationships" xmlns:p="http://schemas.openxmlformats.org/presentationml/2006/main">
+  <p:cSld>
+    <p:spTree>
+      <p:nvGrpSpPr>
+        <p:cNvPr id="1" name=""/>
+        <p:cNvGrpSpPr/>
+        <p:nvPr/>
+      </p:nvGrpSpPr>
+      <p:grpSpPr>
+        <a:xfrm>
+          <a:off x="0" y="0"/>
+          <a:ext cx="0" cy="0"/>
+          <a:chOff x="0" y="0"/>
+          <a:chExt cx="0" cy="0"/>
+        </a:xfrm>
+      </p:grpSpPr>
+      <p:sp>
+        <p:nvSpPr>
+          <p:cNvPr id="2" name="Title 1">
+            <a:extLst>
+              <a:ext uri="{FF2B5EF4-FFF2-40B4-BE49-F238E27FC236}">
+                <a16:creationId xmlns:a16="http://schemas.microsoft.com/office/drawing/2014/main" id="{1B44277E-E34B-0132-200E-1D7591795F1B}"/>
+              </a:ext>
+            </a:extLst>
+          </p:cNvPr>
+          <p:cNvSpPr>
+            <a:spLocks noGrp="1"/>
+          </p:cNvSpPr>
+          <p:nvPr>
+            <p:ph type="title"/>
+          </p:nvPr>
+        </p:nvSpPr>
+        <p:spPr/>
+        <p:txBody>
+          <a:bodyPr/>
+          <a:lstStyle/>
+          <a:p>
+            <a:r>
+              <a:rPr lang="en-US" dirty="0"/>
+              <a:t>Project Description:</a:t>
+            </a:r>
+          </a:p>
+        </p:txBody>
+      </p:sp>
+      <p:sp>
+        <p:nvSpPr>
+          <p:cNvPr id="3" name="Content Placeholder 2">
+            <a:extLst>
+              <a:ext uri="{FF2B5EF4-FFF2-40B4-BE49-F238E27FC236}">
+                <a16:creationId xmlns:a16="http://schemas.microsoft.com/office/drawing/2014/main" id="{8B4FE5F1-A08A-CC88-20A0-D8DD4E087D2E}"/>
+              </a:ext>
+            </a:extLst>
+          </p:cNvPr>
+          <p:cNvSpPr>
+            <a:spLocks noGrp="1"/>
+          </p:cNvSpPr>
+          <p:nvPr>
+            <p:ph idx="1"/>
+          </p:nvPr>
+        </p:nvSpPr>
+        <p:spPr>
+          <a:xfrm>
+            <a:off x="838200" y="2766218"/>
+            <a:ext cx="10515600" cy="1325563"/>
+          </a:xfrm>
+        </p:spPr>
+        <p:txBody>
+          <a:bodyPr/>
+          <a:lstStyle/>
+          <a:p>
+            <a:pPr marL="0" indent="0">
+              <a:buNone/>
+            </a:pPr>
+            <a:r>
+              <a:rPr lang="en-US" dirty="0"/>
+              <a:t>Create a Rock, Paper, Scissors game where the user plays against the computer. The computer's choice should be random.</a:t>
+            </a:r>
+          </a:p>
+        </p:txBody>
+      </p:sp>
+    </p:spTree>
+    <p:extLst>
+      <p:ext uri="{BB962C8B-B14F-4D97-AF65-F5344CB8AC3E}">
+        <p14:creationId xmlns:p14="http://schemas.microsoft.com/office/powerpoint/2010/main" val="2364200780"/>
+      </p:ext>
+    </p:extLst>
+  </p:cSld>
+  <p:clrMapOvr>
+    <a:masterClrMapping/>
+  </p:clrMapOvr>
+</p:sld>
+</file>
+
+<file path=ppt/slides/slide18.xml><?xml version="1.0" encoding="utf-8"?>
+<p:sld xmlns:a="http://schemas.openxmlformats.org/drawingml/2006/main" xmlns:r="http://schemas.openxmlformats.org/officeDocument/2006/relationships" xmlns:p="http://schemas.openxmlformats.org/presentationml/2006/main">
+  <p:cSld>
+    <p:spTree>
+      <p:nvGrpSpPr>
+        <p:cNvPr id="1" name=""/>
+        <p:cNvGrpSpPr/>
+        <p:nvPr/>
+      </p:nvGrpSpPr>
+      <p:grpSpPr>
+        <a:xfrm>
+          <a:off x="0" y="0"/>
+          <a:ext cx="0" cy="0"/>
+          <a:chOff x="0" y="0"/>
+          <a:chExt cx="0" cy="0"/>
+        </a:xfrm>
+      </p:grpSpPr>
+      <p:sp>
+        <p:nvSpPr>
+          <p:cNvPr id="2" name="Title 1">
+            <a:extLst>
+              <a:ext uri="{FF2B5EF4-FFF2-40B4-BE49-F238E27FC236}">
+                <a16:creationId xmlns:a16="http://schemas.microsoft.com/office/drawing/2014/main" id="{3DCE5DB4-1FEA-DD81-6F49-DE1CC66BB628}"/>
+              </a:ext>
+            </a:extLst>
+          </p:cNvPr>
+          <p:cNvSpPr>
+            <a:spLocks noGrp="1"/>
+          </p:cNvSpPr>
+          <p:nvPr>
+            <p:ph type="title"/>
+          </p:nvPr>
+        </p:nvSpPr>
+        <p:spPr>
+          <a:xfrm>
+            <a:off x="2072092" y="2766218"/>
+            <a:ext cx="8047815" cy="1325563"/>
+          </a:xfrm>
+        </p:spPr>
+        <p:txBody>
+          <a:bodyPr/>
+          <a:lstStyle/>
+          <a:p>
+            <a:pPr algn="ctr"/>
+            <a:r>
+              <a:rPr lang="en-US" dirty="0"/>
+              <a:t>Project 8. Password Generator</a:t>
+            </a:r>
+          </a:p>
+        </p:txBody>
+      </p:sp>
+    </p:spTree>
+    <p:extLst>
+      <p:ext uri="{BB962C8B-B14F-4D97-AF65-F5344CB8AC3E}">
+        <p14:creationId xmlns:p14="http://schemas.microsoft.com/office/powerpoint/2010/main" val="494670810"/>
+      </p:ext>
+    </p:extLst>
+  </p:cSld>
+  <p:clrMapOvr>
+    <a:masterClrMapping/>
+  </p:clrMapOvr>
+</p:sld>
+</file>
+
+<file path=ppt/slides/slide19.xml><?xml version="1.0" encoding="utf-8"?>
+<p:sld xmlns:a="http://schemas.openxmlformats.org/drawingml/2006/main" xmlns:r="http://schemas.openxmlformats.org/officeDocument/2006/relationships" xmlns:p="http://schemas.openxmlformats.org/presentationml/2006/main">
+  <p:cSld>
+    <p:spTree>
+      <p:nvGrpSpPr>
+        <p:cNvPr id="1" name=""/>
+        <p:cNvGrpSpPr/>
+        <p:nvPr/>
+      </p:nvGrpSpPr>
+      <p:grpSpPr>
+        <a:xfrm>
+          <a:off x="0" y="0"/>
+          <a:ext cx="0" cy="0"/>
+          <a:chOff x="0" y="0"/>
+          <a:chExt cx="0" cy="0"/>
+        </a:xfrm>
+      </p:grpSpPr>
+      <p:sp>
+        <p:nvSpPr>
+          <p:cNvPr id="2" name="Title 1">
+            <a:extLst>
+              <a:ext uri="{FF2B5EF4-FFF2-40B4-BE49-F238E27FC236}">
+                <a16:creationId xmlns:a16="http://schemas.microsoft.com/office/drawing/2014/main" id="{1B44277E-E34B-0132-200E-1D7591795F1B}"/>
+              </a:ext>
+            </a:extLst>
+          </p:cNvPr>
+          <p:cNvSpPr>
+            <a:spLocks noGrp="1"/>
+          </p:cNvSpPr>
+          <p:nvPr>
+            <p:ph type="title"/>
+          </p:nvPr>
+        </p:nvSpPr>
+        <p:spPr/>
+        <p:txBody>
+          <a:bodyPr/>
+          <a:lstStyle/>
+          <a:p>
+            <a:r>
+              <a:rPr lang="en-US" dirty="0"/>
+              <a:t>Project Description:</a:t>
+            </a:r>
+          </a:p>
+        </p:txBody>
+      </p:sp>
+      <p:sp>
+        <p:nvSpPr>
+          <p:cNvPr id="3" name="Content Placeholder 2">
+            <a:extLst>
+              <a:ext uri="{FF2B5EF4-FFF2-40B4-BE49-F238E27FC236}">
+                <a16:creationId xmlns:a16="http://schemas.microsoft.com/office/drawing/2014/main" id="{8B4FE5F1-A08A-CC88-20A0-D8DD4E087D2E}"/>
+              </a:ext>
+            </a:extLst>
+          </p:cNvPr>
+          <p:cNvSpPr>
+            <a:spLocks noGrp="1"/>
+          </p:cNvSpPr>
+          <p:nvPr>
+            <p:ph idx="1"/>
+          </p:nvPr>
+        </p:nvSpPr>
+        <p:spPr>
+          <a:xfrm>
+            <a:off x="838200" y="2766218"/>
+            <a:ext cx="10515600" cy="1325563"/>
+          </a:xfrm>
+        </p:spPr>
+        <p:txBody>
+          <a:bodyPr/>
+          <a:lstStyle/>
+          <a:p>
+            <a:pPr marL="0" indent="0">
+              <a:buNone/>
+            </a:pPr>
+            <a:r>
+              <a:rPr lang="en-US" dirty="0"/>
+              <a:t>Build a password generator that creates a strong password based on user-defined criteria such as length and character types (letters, digits, symbols).</a:t>
+            </a:r>
+          </a:p>
+        </p:txBody>
+      </p:sp>
+    </p:spTree>
+    <p:extLst>
+      <p:ext uri="{BB962C8B-B14F-4D97-AF65-F5344CB8AC3E}">
+        <p14:creationId xmlns:p14="http://schemas.microsoft.com/office/powerpoint/2010/main" val="3840435107"/>
+      </p:ext>
+    </p:extLst>
+  </p:cSld>
+  <p:clrMapOvr>
+    <a:masterClrMapping/>
+  </p:clrMapOvr>
+</p:sld>
+</file>
+
 <file path=ppt/slides/slide2.xml><?xml version="1.0" encoding="utf-8"?>
 <p:sld xmlns:a="http://schemas.openxmlformats.org/drawingml/2006/main" xmlns:r="http://schemas.openxmlformats.org/officeDocument/2006/relationships" xmlns:p="http://schemas.openxmlformats.org/presentationml/2006/main">
   <p:cSld>
@@ -6028,6 +6352,322 @@
     <p:extLst>
       <p:ext uri="{BB962C8B-B14F-4D97-AF65-F5344CB8AC3E}">
         <p14:creationId xmlns:p14="http://schemas.microsoft.com/office/powerpoint/2010/main" val="3003746695"/>
+      </p:ext>
+    </p:extLst>
+  </p:cSld>
+  <p:clrMapOvr>
+    <a:masterClrMapping/>
+  </p:clrMapOvr>
+</p:sld>
+</file>
+
+<file path=ppt/slides/slide20.xml><?xml version="1.0" encoding="utf-8"?>
+<p:sld xmlns:a="http://schemas.openxmlformats.org/drawingml/2006/main" xmlns:r="http://schemas.openxmlformats.org/officeDocument/2006/relationships" xmlns:p="http://schemas.openxmlformats.org/presentationml/2006/main">
+  <p:cSld>
+    <p:spTree>
+      <p:nvGrpSpPr>
+        <p:cNvPr id="1" name=""/>
+        <p:cNvGrpSpPr/>
+        <p:nvPr/>
+      </p:nvGrpSpPr>
+      <p:grpSpPr>
+        <a:xfrm>
+          <a:off x="0" y="0"/>
+          <a:ext cx="0" cy="0"/>
+          <a:chOff x="0" y="0"/>
+          <a:chExt cx="0" cy="0"/>
+        </a:xfrm>
+      </p:grpSpPr>
+      <p:sp>
+        <p:nvSpPr>
+          <p:cNvPr id="2" name="Title 1">
+            <a:extLst>
+              <a:ext uri="{FF2B5EF4-FFF2-40B4-BE49-F238E27FC236}">
+                <a16:creationId xmlns:a16="http://schemas.microsoft.com/office/drawing/2014/main" id="{3DCE5DB4-1FEA-DD81-6F49-DE1CC66BB628}"/>
+              </a:ext>
+            </a:extLst>
+          </p:cNvPr>
+          <p:cNvSpPr>
+            <a:spLocks noGrp="1"/>
+          </p:cNvSpPr>
+          <p:nvPr>
+            <p:ph type="title"/>
+          </p:nvPr>
+        </p:nvSpPr>
+        <p:spPr>
+          <a:xfrm>
+            <a:off x="2876195" y="2766218"/>
+            <a:ext cx="6439610" cy="1325563"/>
+          </a:xfrm>
+        </p:spPr>
+        <p:txBody>
+          <a:bodyPr/>
+          <a:lstStyle/>
+          <a:p>
+            <a:pPr algn="ctr"/>
+            <a:r>
+              <a:rPr lang="en-US" dirty="0"/>
+              <a:t>Project 9. Contact Book</a:t>
+            </a:r>
+          </a:p>
+        </p:txBody>
+      </p:sp>
+    </p:spTree>
+    <p:extLst>
+      <p:ext uri="{BB962C8B-B14F-4D97-AF65-F5344CB8AC3E}">
+        <p14:creationId xmlns:p14="http://schemas.microsoft.com/office/powerpoint/2010/main" val="335665352"/>
+      </p:ext>
+    </p:extLst>
+  </p:cSld>
+  <p:clrMapOvr>
+    <a:masterClrMapping/>
+  </p:clrMapOvr>
+</p:sld>
+</file>
+
+<file path=ppt/slides/slide21.xml><?xml version="1.0" encoding="utf-8"?>
+<p:sld xmlns:a="http://schemas.openxmlformats.org/drawingml/2006/main" xmlns:r="http://schemas.openxmlformats.org/officeDocument/2006/relationships" xmlns:p="http://schemas.openxmlformats.org/presentationml/2006/main">
+  <p:cSld>
+    <p:spTree>
+      <p:nvGrpSpPr>
+        <p:cNvPr id="1" name=""/>
+        <p:cNvGrpSpPr/>
+        <p:nvPr/>
+      </p:nvGrpSpPr>
+      <p:grpSpPr>
+        <a:xfrm>
+          <a:off x="0" y="0"/>
+          <a:ext cx="0" cy="0"/>
+          <a:chOff x="0" y="0"/>
+          <a:chExt cx="0" cy="0"/>
+        </a:xfrm>
+      </p:grpSpPr>
+      <p:sp>
+        <p:nvSpPr>
+          <p:cNvPr id="2" name="Title 1">
+            <a:extLst>
+              <a:ext uri="{FF2B5EF4-FFF2-40B4-BE49-F238E27FC236}">
+                <a16:creationId xmlns:a16="http://schemas.microsoft.com/office/drawing/2014/main" id="{1B44277E-E34B-0132-200E-1D7591795F1B}"/>
+              </a:ext>
+            </a:extLst>
+          </p:cNvPr>
+          <p:cNvSpPr>
+            <a:spLocks noGrp="1"/>
+          </p:cNvSpPr>
+          <p:nvPr>
+            <p:ph type="title"/>
+          </p:nvPr>
+        </p:nvSpPr>
+        <p:spPr/>
+        <p:txBody>
+          <a:bodyPr/>
+          <a:lstStyle/>
+          <a:p>
+            <a:r>
+              <a:rPr lang="en-US" dirty="0"/>
+              <a:t>Project Description:</a:t>
+            </a:r>
+          </a:p>
+        </p:txBody>
+      </p:sp>
+      <p:sp>
+        <p:nvSpPr>
+          <p:cNvPr id="3" name="Content Placeholder 2">
+            <a:extLst>
+              <a:ext uri="{FF2B5EF4-FFF2-40B4-BE49-F238E27FC236}">
+                <a16:creationId xmlns:a16="http://schemas.microsoft.com/office/drawing/2014/main" id="{8B4FE5F1-A08A-CC88-20A0-D8DD4E087D2E}"/>
+              </a:ext>
+            </a:extLst>
+          </p:cNvPr>
+          <p:cNvSpPr>
+            <a:spLocks noGrp="1"/>
+          </p:cNvSpPr>
+          <p:nvPr>
+            <p:ph idx="1"/>
+          </p:nvPr>
+        </p:nvSpPr>
+        <p:spPr>
+          <a:xfrm>
+            <a:off x="838200" y="2766218"/>
+            <a:ext cx="10515600" cy="1325563"/>
+          </a:xfrm>
+        </p:spPr>
+        <p:txBody>
+          <a:bodyPr/>
+          <a:lstStyle/>
+          <a:p>
+            <a:pPr marL="0" indent="0">
+              <a:buNone/>
+            </a:pPr>
+            <a:r>
+              <a:rPr lang="en-US" dirty="0"/>
+              <a:t>Create a contact book where users can add, view, and delete contacts. Each contact should have a name and a phone number.</a:t>
+            </a:r>
+          </a:p>
+        </p:txBody>
+      </p:sp>
+    </p:spTree>
+    <p:extLst>
+      <p:ext uri="{BB962C8B-B14F-4D97-AF65-F5344CB8AC3E}">
+        <p14:creationId xmlns:p14="http://schemas.microsoft.com/office/powerpoint/2010/main" val="2250837821"/>
+      </p:ext>
+    </p:extLst>
+  </p:cSld>
+  <p:clrMapOvr>
+    <a:masterClrMapping/>
+  </p:clrMapOvr>
+</p:sld>
+</file>
+
+<file path=ppt/slides/slide22.xml><?xml version="1.0" encoding="utf-8"?>
+<p:sld xmlns:a="http://schemas.openxmlformats.org/drawingml/2006/main" xmlns:r="http://schemas.openxmlformats.org/officeDocument/2006/relationships" xmlns:p="http://schemas.openxmlformats.org/presentationml/2006/main">
+  <p:cSld>
+    <p:spTree>
+      <p:nvGrpSpPr>
+        <p:cNvPr id="1" name=""/>
+        <p:cNvGrpSpPr/>
+        <p:nvPr/>
+      </p:nvGrpSpPr>
+      <p:grpSpPr>
+        <a:xfrm>
+          <a:off x="0" y="0"/>
+          <a:ext cx="0" cy="0"/>
+          <a:chOff x="0" y="0"/>
+          <a:chExt cx="0" cy="0"/>
+        </a:xfrm>
+      </p:grpSpPr>
+      <p:sp>
+        <p:nvSpPr>
+          <p:cNvPr id="2" name="Title 1">
+            <a:extLst>
+              <a:ext uri="{FF2B5EF4-FFF2-40B4-BE49-F238E27FC236}">
+                <a16:creationId xmlns:a16="http://schemas.microsoft.com/office/drawing/2014/main" id="{3DCE5DB4-1FEA-DD81-6F49-DE1CC66BB628}"/>
+              </a:ext>
+            </a:extLst>
+          </p:cNvPr>
+          <p:cNvSpPr>
+            <a:spLocks noGrp="1"/>
+          </p:cNvSpPr>
+          <p:nvPr>
+            <p:ph type="title"/>
+          </p:nvPr>
+        </p:nvSpPr>
+        <p:spPr>
+          <a:xfrm>
+            <a:off x="3015599" y="2766218"/>
+            <a:ext cx="6160801" cy="1325563"/>
+          </a:xfrm>
+        </p:spPr>
+        <p:txBody>
+          <a:bodyPr/>
+          <a:lstStyle/>
+          <a:p>
+            <a:pPr algn="ctr"/>
+            <a:r>
+              <a:rPr lang="en-US" dirty="0"/>
+              <a:t>Project 10. Simple Quiz</a:t>
+            </a:r>
+          </a:p>
+        </p:txBody>
+      </p:sp>
+    </p:spTree>
+    <p:extLst>
+      <p:ext uri="{BB962C8B-B14F-4D97-AF65-F5344CB8AC3E}">
+        <p14:creationId xmlns:p14="http://schemas.microsoft.com/office/powerpoint/2010/main" val="1703743468"/>
+      </p:ext>
+    </p:extLst>
+  </p:cSld>
+  <p:clrMapOvr>
+    <a:masterClrMapping/>
+  </p:clrMapOvr>
+</p:sld>
+</file>
+
+<file path=ppt/slides/slide23.xml><?xml version="1.0" encoding="utf-8"?>
+<p:sld xmlns:a="http://schemas.openxmlformats.org/drawingml/2006/main" xmlns:r="http://schemas.openxmlformats.org/officeDocument/2006/relationships" xmlns:p="http://schemas.openxmlformats.org/presentationml/2006/main">
+  <p:cSld>
+    <p:spTree>
+      <p:nvGrpSpPr>
+        <p:cNvPr id="1" name=""/>
+        <p:cNvGrpSpPr/>
+        <p:nvPr/>
+      </p:nvGrpSpPr>
+      <p:grpSpPr>
+        <a:xfrm>
+          <a:off x="0" y="0"/>
+          <a:ext cx="0" cy="0"/>
+          <a:chOff x="0" y="0"/>
+          <a:chExt cx="0" cy="0"/>
+        </a:xfrm>
+      </p:grpSpPr>
+      <p:sp>
+        <p:nvSpPr>
+          <p:cNvPr id="2" name="Title 1">
+            <a:extLst>
+              <a:ext uri="{FF2B5EF4-FFF2-40B4-BE49-F238E27FC236}">
+                <a16:creationId xmlns:a16="http://schemas.microsoft.com/office/drawing/2014/main" id="{1B44277E-E34B-0132-200E-1D7591795F1B}"/>
+              </a:ext>
+            </a:extLst>
+          </p:cNvPr>
+          <p:cNvSpPr>
+            <a:spLocks noGrp="1"/>
+          </p:cNvSpPr>
+          <p:nvPr>
+            <p:ph type="title"/>
+          </p:nvPr>
+        </p:nvSpPr>
+        <p:spPr/>
+        <p:txBody>
+          <a:bodyPr/>
+          <a:lstStyle/>
+          <a:p>
+            <a:r>
+              <a:rPr lang="en-US" dirty="0"/>
+              <a:t>Project Description:</a:t>
+            </a:r>
+          </a:p>
+        </p:txBody>
+      </p:sp>
+      <p:sp>
+        <p:nvSpPr>
+          <p:cNvPr id="3" name="Content Placeholder 2">
+            <a:extLst>
+              <a:ext uri="{FF2B5EF4-FFF2-40B4-BE49-F238E27FC236}">
+                <a16:creationId xmlns:a16="http://schemas.microsoft.com/office/drawing/2014/main" id="{8B4FE5F1-A08A-CC88-20A0-D8DD4E087D2E}"/>
+              </a:ext>
+            </a:extLst>
+          </p:cNvPr>
+          <p:cNvSpPr>
+            <a:spLocks noGrp="1"/>
+          </p:cNvSpPr>
+          <p:nvPr>
+            <p:ph idx="1"/>
+          </p:nvPr>
+        </p:nvSpPr>
+        <p:spPr>
+          <a:xfrm>
+            <a:off x="838200" y="2766218"/>
+            <a:ext cx="10515600" cy="1325563"/>
+          </a:xfrm>
+        </p:spPr>
+        <p:txBody>
+          <a:bodyPr/>
+          <a:lstStyle/>
+          <a:p>
+            <a:pPr marL="0" indent="0">
+              <a:buNone/>
+            </a:pPr>
+            <a:r>
+              <a:rPr lang="en-US" dirty="0"/>
+              <a:t>Create a simple quiz program that asks the user multiple-choice questions and provides a score at the end.</a:t>
+            </a:r>
+          </a:p>
+        </p:txBody>
+      </p:sp>
+    </p:spTree>
+    <p:extLst>
+      <p:ext uri="{BB962C8B-B14F-4D97-AF65-F5344CB8AC3E}">
+        <p14:creationId xmlns:p14="http://schemas.microsoft.com/office/powerpoint/2010/main" val="698464566"/>
       </p:ext>
     </p:extLst>
   </p:cSld>
